--- a/ppt 16-9/0343.来听福音.pptx
+++ b/ppt 16-9/0343.来听福音.pptx
@@ -129,7 +129,7 @@
           <p:cNvPr id="2" name="标题 1">
             <a:extLst>
               <a:ext uri="{FF2B5EF4-FFF2-40B4-BE49-F238E27FC236}">
-                <a16:creationId xmlns:a16="http://schemas.microsoft.com/office/drawing/2014/main" id="{D0C0CE0A-4D2F-B580-F2C1-9788FB02A04C}"/>
+                <a16:creationId xmlns:a16="http://schemas.microsoft.com/office/drawing/2014/main" id="{4201DECD-1408-9A17-B5EF-094B98A43F37}"/>
               </a:ext>
             </a:extLst>
           </p:cNvPr>
@@ -166,7 +166,7 @@
           <p:cNvPr id="3" name="副标题 2">
             <a:extLst>
               <a:ext uri="{FF2B5EF4-FFF2-40B4-BE49-F238E27FC236}">
-                <a16:creationId xmlns:a16="http://schemas.microsoft.com/office/drawing/2014/main" id="{E03D967E-6321-8697-E7FD-B8C6867F1903}"/>
+                <a16:creationId xmlns:a16="http://schemas.microsoft.com/office/drawing/2014/main" id="{C4C618EC-5633-A298-0CCD-E028CAE889BB}"/>
               </a:ext>
             </a:extLst>
           </p:cNvPr>
@@ -236,7 +236,7 @@
           <p:cNvPr id="4" name="日期占位符 3">
             <a:extLst>
               <a:ext uri="{FF2B5EF4-FFF2-40B4-BE49-F238E27FC236}">
-                <a16:creationId xmlns:a16="http://schemas.microsoft.com/office/drawing/2014/main" id="{76013198-2CDD-01F6-0F48-E2D168C0C5F7}"/>
+                <a16:creationId xmlns:a16="http://schemas.microsoft.com/office/drawing/2014/main" id="{DDB9B4DC-3303-513F-DDF6-96A05146C6E6}"/>
               </a:ext>
             </a:extLst>
           </p:cNvPr>
@@ -252,7 +252,7 @@
           <a:bodyPr/>
           <a:lstStyle/>
           <a:p>
-            <a:fld id="{7DC8E3B1-A9E4-4A0D-BD41-D26742AC8AED}" type="datetimeFigureOut">
+            <a:fld id="{33234C45-CA8D-4774-B8E2-8847613FCD27}" type="datetimeFigureOut">
               <a:rPr lang="zh-CN" altLang="en-US" smtClean="0"/>
               <a:t>2024/3/10</a:t>
             </a:fld>
@@ -265,7 +265,7 @@
           <p:cNvPr id="5" name="页脚占位符 4">
             <a:extLst>
               <a:ext uri="{FF2B5EF4-FFF2-40B4-BE49-F238E27FC236}">
-                <a16:creationId xmlns:a16="http://schemas.microsoft.com/office/drawing/2014/main" id="{060978C4-300A-46D8-E954-C2960AB3AFBA}"/>
+                <a16:creationId xmlns:a16="http://schemas.microsoft.com/office/drawing/2014/main" id="{1178BF36-E9DD-5A97-8286-D0C6C0AF0C1A}"/>
               </a:ext>
             </a:extLst>
           </p:cNvPr>
@@ -290,7 +290,7 @@
           <p:cNvPr id="6" name="灯片编号占位符 5">
             <a:extLst>
               <a:ext uri="{FF2B5EF4-FFF2-40B4-BE49-F238E27FC236}">
-                <a16:creationId xmlns:a16="http://schemas.microsoft.com/office/drawing/2014/main" id="{A29795E4-0094-0BD0-C744-90A277E421C9}"/>
+                <a16:creationId xmlns:a16="http://schemas.microsoft.com/office/drawing/2014/main" id="{D25CE854-7588-8623-495F-EB795DC7C956}"/>
               </a:ext>
             </a:extLst>
           </p:cNvPr>
@@ -306,7 +306,7 @@
           <a:bodyPr/>
           <a:lstStyle/>
           <a:p>
-            <a:fld id="{3FABDA68-E93C-4DD5-9EF8-4955C875E77F}" type="slidenum">
+            <a:fld id="{4173632C-E4CC-4D46-BB27-1730021DA4C0}" type="slidenum">
               <a:rPr lang="zh-CN" altLang="en-US" smtClean="0"/>
               <a:t>‹#›</a:t>
             </a:fld>
@@ -317,7 +317,7 @@
     </p:spTree>
     <p:extLst>
       <p:ext uri="{BB962C8B-B14F-4D97-AF65-F5344CB8AC3E}">
-        <p14:creationId xmlns:p14="http://schemas.microsoft.com/office/powerpoint/2010/main" val="1929708532"/>
+        <p14:creationId xmlns:p14="http://schemas.microsoft.com/office/powerpoint/2010/main" val="1871912801"/>
       </p:ext>
     </p:extLst>
   </p:cSld>
@@ -349,7 +349,7 @@
           <p:cNvPr id="2" name="标题 1">
             <a:extLst>
               <a:ext uri="{FF2B5EF4-FFF2-40B4-BE49-F238E27FC236}">
-                <a16:creationId xmlns:a16="http://schemas.microsoft.com/office/drawing/2014/main" id="{ACCFC1F3-28E3-FD40-3121-50F95978B350}"/>
+                <a16:creationId xmlns:a16="http://schemas.microsoft.com/office/drawing/2014/main" id="{7BA07E23-5455-E644-E291-891786932607}"/>
               </a:ext>
             </a:extLst>
           </p:cNvPr>
@@ -377,7 +377,7 @@
           <p:cNvPr id="3" name="竖排文字占位符 2">
             <a:extLst>
               <a:ext uri="{FF2B5EF4-FFF2-40B4-BE49-F238E27FC236}">
-                <a16:creationId xmlns:a16="http://schemas.microsoft.com/office/drawing/2014/main" id="{C61B4A6B-FE77-BF82-305D-8F797C43A2C8}"/>
+                <a16:creationId xmlns:a16="http://schemas.microsoft.com/office/drawing/2014/main" id="{C428F83D-B98F-DCF3-C5E2-6D301F540B4C}"/>
               </a:ext>
             </a:extLst>
           </p:cNvPr>
@@ -434,7 +434,7 @@
           <p:cNvPr id="4" name="日期占位符 3">
             <a:extLst>
               <a:ext uri="{FF2B5EF4-FFF2-40B4-BE49-F238E27FC236}">
-                <a16:creationId xmlns:a16="http://schemas.microsoft.com/office/drawing/2014/main" id="{E2311E2E-312F-8092-71C7-15A7C982D354}"/>
+                <a16:creationId xmlns:a16="http://schemas.microsoft.com/office/drawing/2014/main" id="{A12F24B5-BB26-33AA-3B67-7E9A9F20A555}"/>
               </a:ext>
             </a:extLst>
           </p:cNvPr>
@@ -450,7 +450,7 @@
           <a:bodyPr/>
           <a:lstStyle/>
           <a:p>
-            <a:fld id="{7DC8E3B1-A9E4-4A0D-BD41-D26742AC8AED}" type="datetimeFigureOut">
+            <a:fld id="{33234C45-CA8D-4774-B8E2-8847613FCD27}" type="datetimeFigureOut">
               <a:rPr lang="zh-CN" altLang="en-US" smtClean="0"/>
               <a:t>2024/3/10</a:t>
             </a:fld>
@@ -463,7 +463,7 @@
           <p:cNvPr id="5" name="页脚占位符 4">
             <a:extLst>
               <a:ext uri="{FF2B5EF4-FFF2-40B4-BE49-F238E27FC236}">
-                <a16:creationId xmlns:a16="http://schemas.microsoft.com/office/drawing/2014/main" id="{36DF965A-2A19-976D-1049-1D1D0CC037A0}"/>
+                <a16:creationId xmlns:a16="http://schemas.microsoft.com/office/drawing/2014/main" id="{92B175F3-38C7-B0C4-C75C-72CD2047090C}"/>
               </a:ext>
             </a:extLst>
           </p:cNvPr>
@@ -488,7 +488,7 @@
           <p:cNvPr id="6" name="灯片编号占位符 5">
             <a:extLst>
               <a:ext uri="{FF2B5EF4-FFF2-40B4-BE49-F238E27FC236}">
-                <a16:creationId xmlns:a16="http://schemas.microsoft.com/office/drawing/2014/main" id="{B5229195-EE4F-242F-704B-93C862BF6480}"/>
+                <a16:creationId xmlns:a16="http://schemas.microsoft.com/office/drawing/2014/main" id="{4087267F-27D6-A579-B60E-7DD12B403FD5}"/>
               </a:ext>
             </a:extLst>
           </p:cNvPr>
@@ -504,7 +504,7 @@
           <a:bodyPr/>
           <a:lstStyle/>
           <a:p>
-            <a:fld id="{3FABDA68-E93C-4DD5-9EF8-4955C875E77F}" type="slidenum">
+            <a:fld id="{4173632C-E4CC-4D46-BB27-1730021DA4C0}" type="slidenum">
               <a:rPr lang="zh-CN" altLang="en-US" smtClean="0"/>
               <a:t>‹#›</a:t>
             </a:fld>
@@ -515,7 +515,7 @@
     </p:spTree>
     <p:extLst>
       <p:ext uri="{BB962C8B-B14F-4D97-AF65-F5344CB8AC3E}">
-        <p14:creationId xmlns:p14="http://schemas.microsoft.com/office/powerpoint/2010/main" val="983644885"/>
+        <p14:creationId xmlns:p14="http://schemas.microsoft.com/office/powerpoint/2010/main" val="2800115444"/>
       </p:ext>
     </p:extLst>
   </p:cSld>
@@ -547,7 +547,7 @@
           <p:cNvPr id="2" name="竖排标题 1">
             <a:extLst>
               <a:ext uri="{FF2B5EF4-FFF2-40B4-BE49-F238E27FC236}">
-                <a16:creationId xmlns:a16="http://schemas.microsoft.com/office/drawing/2014/main" id="{E2AB22F0-C2AD-3337-57D8-6261879948F2}"/>
+                <a16:creationId xmlns:a16="http://schemas.microsoft.com/office/drawing/2014/main" id="{688943BE-1BF4-53F6-4E6B-8DF12284F763}"/>
               </a:ext>
             </a:extLst>
           </p:cNvPr>
@@ -580,7 +580,7 @@
           <p:cNvPr id="3" name="竖排文字占位符 2">
             <a:extLst>
               <a:ext uri="{FF2B5EF4-FFF2-40B4-BE49-F238E27FC236}">
-                <a16:creationId xmlns:a16="http://schemas.microsoft.com/office/drawing/2014/main" id="{46FC5A0E-2EFB-CEC8-B422-411DC8D7EE69}"/>
+                <a16:creationId xmlns:a16="http://schemas.microsoft.com/office/drawing/2014/main" id="{2E827095-572D-FEC0-EB8E-D0DA615789A2}"/>
               </a:ext>
             </a:extLst>
           </p:cNvPr>
@@ -642,7 +642,7 @@
           <p:cNvPr id="4" name="日期占位符 3">
             <a:extLst>
               <a:ext uri="{FF2B5EF4-FFF2-40B4-BE49-F238E27FC236}">
-                <a16:creationId xmlns:a16="http://schemas.microsoft.com/office/drawing/2014/main" id="{6171992A-FD7A-9691-3B4F-8A21059A333D}"/>
+                <a16:creationId xmlns:a16="http://schemas.microsoft.com/office/drawing/2014/main" id="{DEF5E11A-15DC-DDF7-9DF8-0B4057495DE7}"/>
               </a:ext>
             </a:extLst>
           </p:cNvPr>
@@ -658,7 +658,7 @@
           <a:bodyPr/>
           <a:lstStyle/>
           <a:p>
-            <a:fld id="{7DC8E3B1-A9E4-4A0D-BD41-D26742AC8AED}" type="datetimeFigureOut">
+            <a:fld id="{33234C45-CA8D-4774-B8E2-8847613FCD27}" type="datetimeFigureOut">
               <a:rPr lang="zh-CN" altLang="en-US" smtClean="0"/>
               <a:t>2024/3/10</a:t>
             </a:fld>
@@ -671,7 +671,7 @@
           <p:cNvPr id="5" name="页脚占位符 4">
             <a:extLst>
               <a:ext uri="{FF2B5EF4-FFF2-40B4-BE49-F238E27FC236}">
-                <a16:creationId xmlns:a16="http://schemas.microsoft.com/office/drawing/2014/main" id="{AE219591-CE2A-84C5-033D-02C0B687E2D4}"/>
+                <a16:creationId xmlns:a16="http://schemas.microsoft.com/office/drawing/2014/main" id="{9D726E7D-E1CA-CFBD-3788-11CA16953677}"/>
               </a:ext>
             </a:extLst>
           </p:cNvPr>
@@ -696,7 +696,7 @@
           <p:cNvPr id="6" name="灯片编号占位符 5">
             <a:extLst>
               <a:ext uri="{FF2B5EF4-FFF2-40B4-BE49-F238E27FC236}">
-                <a16:creationId xmlns:a16="http://schemas.microsoft.com/office/drawing/2014/main" id="{EE3D2B03-1FFB-70AC-96A6-E898969C83D4}"/>
+                <a16:creationId xmlns:a16="http://schemas.microsoft.com/office/drawing/2014/main" id="{8F314417-383D-0C8C-3BD0-B58D7DF119B3}"/>
               </a:ext>
             </a:extLst>
           </p:cNvPr>
@@ -712,7 +712,7 @@
           <a:bodyPr/>
           <a:lstStyle/>
           <a:p>
-            <a:fld id="{3FABDA68-E93C-4DD5-9EF8-4955C875E77F}" type="slidenum">
+            <a:fld id="{4173632C-E4CC-4D46-BB27-1730021DA4C0}" type="slidenum">
               <a:rPr lang="zh-CN" altLang="en-US" smtClean="0"/>
               <a:t>‹#›</a:t>
             </a:fld>
@@ -723,7 +723,7 @@
     </p:spTree>
     <p:extLst>
       <p:ext uri="{BB962C8B-B14F-4D97-AF65-F5344CB8AC3E}">
-        <p14:creationId xmlns:p14="http://schemas.microsoft.com/office/powerpoint/2010/main" val="128252744"/>
+        <p14:creationId xmlns:p14="http://schemas.microsoft.com/office/powerpoint/2010/main" val="1601866842"/>
       </p:ext>
     </p:extLst>
   </p:cSld>
@@ -755,7 +755,7 @@
           <p:cNvPr id="2" name="标题 1">
             <a:extLst>
               <a:ext uri="{FF2B5EF4-FFF2-40B4-BE49-F238E27FC236}">
-                <a16:creationId xmlns:a16="http://schemas.microsoft.com/office/drawing/2014/main" id="{D0E7385E-D1BA-0F1D-66D8-1FD07310294A}"/>
+                <a16:creationId xmlns:a16="http://schemas.microsoft.com/office/drawing/2014/main" id="{B8AEE350-BA23-F746-5809-B92BEE0A7DFB}"/>
               </a:ext>
             </a:extLst>
           </p:cNvPr>
@@ -783,7 +783,7 @@
           <p:cNvPr id="3" name="内容占位符 2">
             <a:extLst>
               <a:ext uri="{FF2B5EF4-FFF2-40B4-BE49-F238E27FC236}">
-                <a16:creationId xmlns:a16="http://schemas.microsoft.com/office/drawing/2014/main" id="{D063016E-1259-A8FB-E2F4-43EF890339D6}"/>
+                <a16:creationId xmlns:a16="http://schemas.microsoft.com/office/drawing/2014/main" id="{C1D8DEF7-DD90-660A-13DB-25E45AB5F21E}"/>
               </a:ext>
             </a:extLst>
           </p:cNvPr>
@@ -840,7 +840,7 @@
           <p:cNvPr id="4" name="日期占位符 3">
             <a:extLst>
               <a:ext uri="{FF2B5EF4-FFF2-40B4-BE49-F238E27FC236}">
-                <a16:creationId xmlns:a16="http://schemas.microsoft.com/office/drawing/2014/main" id="{0B44CBA4-5149-DA46-FAD8-8F547C667033}"/>
+                <a16:creationId xmlns:a16="http://schemas.microsoft.com/office/drawing/2014/main" id="{EF686071-47A5-938B-1B60-1AA204360CAC}"/>
               </a:ext>
             </a:extLst>
           </p:cNvPr>
@@ -856,7 +856,7 @@
           <a:bodyPr/>
           <a:lstStyle/>
           <a:p>
-            <a:fld id="{7DC8E3B1-A9E4-4A0D-BD41-D26742AC8AED}" type="datetimeFigureOut">
+            <a:fld id="{33234C45-CA8D-4774-B8E2-8847613FCD27}" type="datetimeFigureOut">
               <a:rPr lang="zh-CN" altLang="en-US" smtClean="0"/>
               <a:t>2024/3/10</a:t>
             </a:fld>
@@ -869,7 +869,7 @@
           <p:cNvPr id="5" name="页脚占位符 4">
             <a:extLst>
               <a:ext uri="{FF2B5EF4-FFF2-40B4-BE49-F238E27FC236}">
-                <a16:creationId xmlns:a16="http://schemas.microsoft.com/office/drawing/2014/main" id="{B65A10FA-870C-5EA5-B900-6D20BFCADA56}"/>
+                <a16:creationId xmlns:a16="http://schemas.microsoft.com/office/drawing/2014/main" id="{571337A3-D5B8-CD1E-D1DE-BF78B8398E98}"/>
               </a:ext>
             </a:extLst>
           </p:cNvPr>
@@ -894,7 +894,7 @@
           <p:cNvPr id="6" name="灯片编号占位符 5">
             <a:extLst>
               <a:ext uri="{FF2B5EF4-FFF2-40B4-BE49-F238E27FC236}">
-                <a16:creationId xmlns:a16="http://schemas.microsoft.com/office/drawing/2014/main" id="{7077E2BF-0AEB-12C7-C03B-081053EB240B}"/>
+                <a16:creationId xmlns:a16="http://schemas.microsoft.com/office/drawing/2014/main" id="{5A0CDB24-4085-DE0A-8507-712A1ED48E2B}"/>
               </a:ext>
             </a:extLst>
           </p:cNvPr>
@@ -910,7 +910,7 @@
           <a:bodyPr/>
           <a:lstStyle/>
           <a:p>
-            <a:fld id="{3FABDA68-E93C-4DD5-9EF8-4955C875E77F}" type="slidenum">
+            <a:fld id="{4173632C-E4CC-4D46-BB27-1730021DA4C0}" type="slidenum">
               <a:rPr lang="zh-CN" altLang="en-US" smtClean="0"/>
               <a:t>‹#›</a:t>
             </a:fld>
@@ -921,7 +921,7 @@
     </p:spTree>
     <p:extLst>
       <p:ext uri="{BB962C8B-B14F-4D97-AF65-F5344CB8AC3E}">
-        <p14:creationId xmlns:p14="http://schemas.microsoft.com/office/powerpoint/2010/main" val="3903497870"/>
+        <p14:creationId xmlns:p14="http://schemas.microsoft.com/office/powerpoint/2010/main" val="318091695"/>
       </p:ext>
     </p:extLst>
   </p:cSld>
@@ -953,7 +953,7 @@
           <p:cNvPr id="2" name="标题 1">
             <a:extLst>
               <a:ext uri="{FF2B5EF4-FFF2-40B4-BE49-F238E27FC236}">
-                <a16:creationId xmlns:a16="http://schemas.microsoft.com/office/drawing/2014/main" id="{CDAFF68A-84C9-F883-11A0-F6B7A69119D3}"/>
+                <a16:creationId xmlns:a16="http://schemas.microsoft.com/office/drawing/2014/main" id="{7E2F4A31-940A-2909-AE6C-87CF46938B97}"/>
               </a:ext>
             </a:extLst>
           </p:cNvPr>
@@ -990,7 +990,7 @@
           <p:cNvPr id="3" name="文本占位符 2">
             <a:extLst>
               <a:ext uri="{FF2B5EF4-FFF2-40B4-BE49-F238E27FC236}">
-                <a16:creationId xmlns:a16="http://schemas.microsoft.com/office/drawing/2014/main" id="{B7B8A039-6E41-54AD-73B8-7F0A60BCF366}"/>
+                <a16:creationId xmlns:a16="http://schemas.microsoft.com/office/drawing/2014/main" id="{9D18103F-585B-2DD7-B00C-6E8B031A1F64}"/>
               </a:ext>
             </a:extLst>
           </p:cNvPr>
@@ -1115,7 +1115,7 @@
           <p:cNvPr id="4" name="日期占位符 3">
             <a:extLst>
               <a:ext uri="{FF2B5EF4-FFF2-40B4-BE49-F238E27FC236}">
-                <a16:creationId xmlns:a16="http://schemas.microsoft.com/office/drawing/2014/main" id="{938AF8B7-B1F0-3582-79FA-738D069CAFE3}"/>
+                <a16:creationId xmlns:a16="http://schemas.microsoft.com/office/drawing/2014/main" id="{BBC7970A-0A27-FF34-632E-6741D65DC2B4}"/>
               </a:ext>
             </a:extLst>
           </p:cNvPr>
@@ -1131,7 +1131,7 @@
           <a:bodyPr/>
           <a:lstStyle/>
           <a:p>
-            <a:fld id="{7DC8E3B1-A9E4-4A0D-BD41-D26742AC8AED}" type="datetimeFigureOut">
+            <a:fld id="{33234C45-CA8D-4774-B8E2-8847613FCD27}" type="datetimeFigureOut">
               <a:rPr lang="zh-CN" altLang="en-US" smtClean="0"/>
               <a:t>2024/3/10</a:t>
             </a:fld>
@@ -1144,7 +1144,7 @@
           <p:cNvPr id="5" name="页脚占位符 4">
             <a:extLst>
               <a:ext uri="{FF2B5EF4-FFF2-40B4-BE49-F238E27FC236}">
-                <a16:creationId xmlns:a16="http://schemas.microsoft.com/office/drawing/2014/main" id="{38D58533-8CE8-244B-D2DB-45FE3C37E469}"/>
+                <a16:creationId xmlns:a16="http://schemas.microsoft.com/office/drawing/2014/main" id="{52B901A4-9769-9F18-7C77-2304B6016AFA}"/>
               </a:ext>
             </a:extLst>
           </p:cNvPr>
@@ -1169,7 +1169,7 @@
           <p:cNvPr id="6" name="灯片编号占位符 5">
             <a:extLst>
               <a:ext uri="{FF2B5EF4-FFF2-40B4-BE49-F238E27FC236}">
-                <a16:creationId xmlns:a16="http://schemas.microsoft.com/office/drawing/2014/main" id="{1643EC96-7E1B-791F-C138-9C094716B33B}"/>
+                <a16:creationId xmlns:a16="http://schemas.microsoft.com/office/drawing/2014/main" id="{36006063-613F-68CC-0A23-7768F754DB46}"/>
               </a:ext>
             </a:extLst>
           </p:cNvPr>
@@ -1185,7 +1185,7 @@
           <a:bodyPr/>
           <a:lstStyle/>
           <a:p>
-            <a:fld id="{3FABDA68-E93C-4DD5-9EF8-4955C875E77F}" type="slidenum">
+            <a:fld id="{4173632C-E4CC-4D46-BB27-1730021DA4C0}" type="slidenum">
               <a:rPr lang="zh-CN" altLang="en-US" smtClean="0"/>
               <a:t>‹#›</a:t>
             </a:fld>
@@ -1196,7 +1196,7 @@
     </p:spTree>
     <p:extLst>
       <p:ext uri="{BB962C8B-B14F-4D97-AF65-F5344CB8AC3E}">
-        <p14:creationId xmlns:p14="http://schemas.microsoft.com/office/powerpoint/2010/main" val="1033365729"/>
+        <p14:creationId xmlns:p14="http://schemas.microsoft.com/office/powerpoint/2010/main" val="3955376891"/>
       </p:ext>
     </p:extLst>
   </p:cSld>
@@ -1228,7 +1228,7 @@
           <p:cNvPr id="2" name="标题 1">
             <a:extLst>
               <a:ext uri="{FF2B5EF4-FFF2-40B4-BE49-F238E27FC236}">
-                <a16:creationId xmlns:a16="http://schemas.microsoft.com/office/drawing/2014/main" id="{8FEFEAE4-A003-0BD1-BE83-1752BBA632DA}"/>
+                <a16:creationId xmlns:a16="http://schemas.microsoft.com/office/drawing/2014/main" id="{6AD3522E-9C43-830E-1270-B2170BDF21C3}"/>
               </a:ext>
             </a:extLst>
           </p:cNvPr>
@@ -1256,7 +1256,7 @@
           <p:cNvPr id="3" name="内容占位符 2">
             <a:extLst>
               <a:ext uri="{FF2B5EF4-FFF2-40B4-BE49-F238E27FC236}">
-                <a16:creationId xmlns:a16="http://schemas.microsoft.com/office/drawing/2014/main" id="{246BF8D1-0644-38C3-8B15-B1FED039DB46}"/>
+                <a16:creationId xmlns:a16="http://schemas.microsoft.com/office/drawing/2014/main" id="{CC66383F-FD99-1623-14F8-C27D1D397156}"/>
               </a:ext>
             </a:extLst>
           </p:cNvPr>
@@ -1318,7 +1318,7 @@
           <p:cNvPr id="4" name="内容占位符 3">
             <a:extLst>
               <a:ext uri="{FF2B5EF4-FFF2-40B4-BE49-F238E27FC236}">
-                <a16:creationId xmlns:a16="http://schemas.microsoft.com/office/drawing/2014/main" id="{382D2442-6028-4CB2-B92A-4FA318AF5723}"/>
+                <a16:creationId xmlns:a16="http://schemas.microsoft.com/office/drawing/2014/main" id="{403D1E01-95AF-211C-6635-8170E233030E}"/>
               </a:ext>
             </a:extLst>
           </p:cNvPr>
@@ -1380,7 +1380,7 @@
           <p:cNvPr id="5" name="日期占位符 4">
             <a:extLst>
               <a:ext uri="{FF2B5EF4-FFF2-40B4-BE49-F238E27FC236}">
-                <a16:creationId xmlns:a16="http://schemas.microsoft.com/office/drawing/2014/main" id="{8615D275-79C2-161A-D84B-EB44D75A9210}"/>
+                <a16:creationId xmlns:a16="http://schemas.microsoft.com/office/drawing/2014/main" id="{EA1F0B19-3EB1-5455-57EE-A9C3AF5B41B8}"/>
               </a:ext>
             </a:extLst>
           </p:cNvPr>
@@ -1396,7 +1396,7 @@
           <a:bodyPr/>
           <a:lstStyle/>
           <a:p>
-            <a:fld id="{7DC8E3B1-A9E4-4A0D-BD41-D26742AC8AED}" type="datetimeFigureOut">
+            <a:fld id="{33234C45-CA8D-4774-B8E2-8847613FCD27}" type="datetimeFigureOut">
               <a:rPr lang="zh-CN" altLang="en-US" smtClean="0"/>
               <a:t>2024/3/10</a:t>
             </a:fld>
@@ -1409,7 +1409,7 @@
           <p:cNvPr id="6" name="页脚占位符 5">
             <a:extLst>
               <a:ext uri="{FF2B5EF4-FFF2-40B4-BE49-F238E27FC236}">
-                <a16:creationId xmlns:a16="http://schemas.microsoft.com/office/drawing/2014/main" id="{A8FF99B6-856B-1134-16AF-8C32FACF4945}"/>
+                <a16:creationId xmlns:a16="http://schemas.microsoft.com/office/drawing/2014/main" id="{11484517-40BF-4913-B679-5095BA841619}"/>
               </a:ext>
             </a:extLst>
           </p:cNvPr>
@@ -1434,7 +1434,7 @@
           <p:cNvPr id="7" name="灯片编号占位符 6">
             <a:extLst>
               <a:ext uri="{FF2B5EF4-FFF2-40B4-BE49-F238E27FC236}">
-                <a16:creationId xmlns:a16="http://schemas.microsoft.com/office/drawing/2014/main" id="{BC03D515-59D5-D7CB-8AAA-19668DD9267B}"/>
+                <a16:creationId xmlns:a16="http://schemas.microsoft.com/office/drawing/2014/main" id="{32B586F4-E76C-0E2F-034F-9B2100C9CF42}"/>
               </a:ext>
             </a:extLst>
           </p:cNvPr>
@@ -1450,7 +1450,7 @@
           <a:bodyPr/>
           <a:lstStyle/>
           <a:p>
-            <a:fld id="{3FABDA68-E93C-4DD5-9EF8-4955C875E77F}" type="slidenum">
+            <a:fld id="{4173632C-E4CC-4D46-BB27-1730021DA4C0}" type="slidenum">
               <a:rPr lang="zh-CN" altLang="en-US" smtClean="0"/>
               <a:t>‹#›</a:t>
             </a:fld>
@@ -1461,7 +1461,7 @@
     </p:spTree>
     <p:extLst>
       <p:ext uri="{BB962C8B-B14F-4D97-AF65-F5344CB8AC3E}">
-        <p14:creationId xmlns:p14="http://schemas.microsoft.com/office/powerpoint/2010/main" val="568929616"/>
+        <p14:creationId xmlns:p14="http://schemas.microsoft.com/office/powerpoint/2010/main" val="829290364"/>
       </p:ext>
     </p:extLst>
   </p:cSld>
@@ -1493,7 +1493,7 @@
           <p:cNvPr id="2" name="标题 1">
             <a:extLst>
               <a:ext uri="{FF2B5EF4-FFF2-40B4-BE49-F238E27FC236}">
-                <a16:creationId xmlns:a16="http://schemas.microsoft.com/office/drawing/2014/main" id="{6E7312A7-20A0-A6EB-8490-2DD668990728}"/>
+                <a16:creationId xmlns:a16="http://schemas.microsoft.com/office/drawing/2014/main" id="{8A76D3F7-5561-B531-0A7A-5B505F4597ED}"/>
               </a:ext>
             </a:extLst>
           </p:cNvPr>
@@ -1526,7 +1526,7 @@
           <p:cNvPr id="3" name="文本占位符 2">
             <a:extLst>
               <a:ext uri="{FF2B5EF4-FFF2-40B4-BE49-F238E27FC236}">
-                <a16:creationId xmlns:a16="http://schemas.microsoft.com/office/drawing/2014/main" id="{D8BFCFFE-D017-65EA-A371-B87C47E7FF22}"/>
+                <a16:creationId xmlns:a16="http://schemas.microsoft.com/office/drawing/2014/main" id="{5D82AF2C-4BA4-7F20-8E83-A310151F214C}"/>
               </a:ext>
             </a:extLst>
           </p:cNvPr>
@@ -1597,7 +1597,7 @@
           <p:cNvPr id="4" name="内容占位符 3">
             <a:extLst>
               <a:ext uri="{FF2B5EF4-FFF2-40B4-BE49-F238E27FC236}">
-                <a16:creationId xmlns:a16="http://schemas.microsoft.com/office/drawing/2014/main" id="{BFFC6EDA-47CC-3227-C785-B57A79099C11}"/>
+                <a16:creationId xmlns:a16="http://schemas.microsoft.com/office/drawing/2014/main" id="{41815B20-7CD8-819A-330A-9A157C9167D7}"/>
               </a:ext>
             </a:extLst>
           </p:cNvPr>
@@ -1659,7 +1659,7 @@
           <p:cNvPr id="5" name="文本占位符 4">
             <a:extLst>
               <a:ext uri="{FF2B5EF4-FFF2-40B4-BE49-F238E27FC236}">
-                <a16:creationId xmlns:a16="http://schemas.microsoft.com/office/drawing/2014/main" id="{6C53FAE2-E25E-84DE-2A7D-DB162B9C099E}"/>
+                <a16:creationId xmlns:a16="http://schemas.microsoft.com/office/drawing/2014/main" id="{A5005529-0F8D-E79F-120C-1ADE8BA79DD6}"/>
               </a:ext>
             </a:extLst>
           </p:cNvPr>
@@ -1730,7 +1730,7 @@
           <p:cNvPr id="6" name="内容占位符 5">
             <a:extLst>
               <a:ext uri="{FF2B5EF4-FFF2-40B4-BE49-F238E27FC236}">
-                <a16:creationId xmlns:a16="http://schemas.microsoft.com/office/drawing/2014/main" id="{506225E5-E469-9C3A-4775-DAC5CD611729}"/>
+                <a16:creationId xmlns:a16="http://schemas.microsoft.com/office/drawing/2014/main" id="{1D6CC006-05D0-4B66-F031-B086920AD5B5}"/>
               </a:ext>
             </a:extLst>
           </p:cNvPr>
@@ -1792,7 +1792,7 @@
           <p:cNvPr id="7" name="日期占位符 6">
             <a:extLst>
               <a:ext uri="{FF2B5EF4-FFF2-40B4-BE49-F238E27FC236}">
-                <a16:creationId xmlns:a16="http://schemas.microsoft.com/office/drawing/2014/main" id="{0BD3A5E1-E82B-BF40-9B3B-EE34FA2C4CFA}"/>
+                <a16:creationId xmlns:a16="http://schemas.microsoft.com/office/drawing/2014/main" id="{C437A204-47D4-A606-EE5D-75EB7EECB55E}"/>
               </a:ext>
             </a:extLst>
           </p:cNvPr>
@@ -1808,7 +1808,7 @@
           <a:bodyPr/>
           <a:lstStyle/>
           <a:p>
-            <a:fld id="{7DC8E3B1-A9E4-4A0D-BD41-D26742AC8AED}" type="datetimeFigureOut">
+            <a:fld id="{33234C45-CA8D-4774-B8E2-8847613FCD27}" type="datetimeFigureOut">
               <a:rPr lang="zh-CN" altLang="en-US" smtClean="0"/>
               <a:t>2024/3/10</a:t>
             </a:fld>
@@ -1821,7 +1821,7 @@
           <p:cNvPr id="8" name="页脚占位符 7">
             <a:extLst>
               <a:ext uri="{FF2B5EF4-FFF2-40B4-BE49-F238E27FC236}">
-                <a16:creationId xmlns:a16="http://schemas.microsoft.com/office/drawing/2014/main" id="{948AF020-1787-54CF-4F2E-7080E4831D63}"/>
+                <a16:creationId xmlns:a16="http://schemas.microsoft.com/office/drawing/2014/main" id="{AFE25A7F-E724-024F-74CA-6385D523AE9D}"/>
               </a:ext>
             </a:extLst>
           </p:cNvPr>
@@ -1846,7 +1846,7 @@
           <p:cNvPr id="9" name="灯片编号占位符 8">
             <a:extLst>
               <a:ext uri="{FF2B5EF4-FFF2-40B4-BE49-F238E27FC236}">
-                <a16:creationId xmlns:a16="http://schemas.microsoft.com/office/drawing/2014/main" id="{0B6CA485-A1E8-D1E1-3AFB-8133DC69EB14}"/>
+                <a16:creationId xmlns:a16="http://schemas.microsoft.com/office/drawing/2014/main" id="{1FAB0D50-CCC6-ADB2-8845-E5A770CCC5C5}"/>
               </a:ext>
             </a:extLst>
           </p:cNvPr>
@@ -1862,7 +1862,7 @@
           <a:bodyPr/>
           <a:lstStyle/>
           <a:p>
-            <a:fld id="{3FABDA68-E93C-4DD5-9EF8-4955C875E77F}" type="slidenum">
+            <a:fld id="{4173632C-E4CC-4D46-BB27-1730021DA4C0}" type="slidenum">
               <a:rPr lang="zh-CN" altLang="en-US" smtClean="0"/>
               <a:t>‹#›</a:t>
             </a:fld>
@@ -1873,7 +1873,7 @@
     </p:spTree>
     <p:extLst>
       <p:ext uri="{BB962C8B-B14F-4D97-AF65-F5344CB8AC3E}">
-        <p14:creationId xmlns:p14="http://schemas.microsoft.com/office/powerpoint/2010/main" val="3138436302"/>
+        <p14:creationId xmlns:p14="http://schemas.microsoft.com/office/powerpoint/2010/main" val="2448594831"/>
       </p:ext>
     </p:extLst>
   </p:cSld>
@@ -1905,7 +1905,7 @@
           <p:cNvPr id="2" name="标题 1">
             <a:extLst>
               <a:ext uri="{FF2B5EF4-FFF2-40B4-BE49-F238E27FC236}">
-                <a16:creationId xmlns:a16="http://schemas.microsoft.com/office/drawing/2014/main" id="{E8998A94-1579-AA25-431B-3707DDE50DB1}"/>
+                <a16:creationId xmlns:a16="http://schemas.microsoft.com/office/drawing/2014/main" id="{EA148921-68F3-9D4C-7212-154BB284D217}"/>
               </a:ext>
             </a:extLst>
           </p:cNvPr>
@@ -1933,7 +1933,7 @@
           <p:cNvPr id="3" name="日期占位符 2">
             <a:extLst>
               <a:ext uri="{FF2B5EF4-FFF2-40B4-BE49-F238E27FC236}">
-                <a16:creationId xmlns:a16="http://schemas.microsoft.com/office/drawing/2014/main" id="{CF6BA3E6-028D-A6B9-A50E-C23056313458}"/>
+                <a16:creationId xmlns:a16="http://schemas.microsoft.com/office/drawing/2014/main" id="{92E9C713-18D4-1A74-7EF5-897560704EED}"/>
               </a:ext>
             </a:extLst>
           </p:cNvPr>
@@ -1949,7 +1949,7 @@
           <a:bodyPr/>
           <a:lstStyle/>
           <a:p>
-            <a:fld id="{7DC8E3B1-A9E4-4A0D-BD41-D26742AC8AED}" type="datetimeFigureOut">
+            <a:fld id="{33234C45-CA8D-4774-B8E2-8847613FCD27}" type="datetimeFigureOut">
               <a:rPr lang="zh-CN" altLang="en-US" smtClean="0"/>
               <a:t>2024/3/10</a:t>
             </a:fld>
@@ -1962,7 +1962,7 @@
           <p:cNvPr id="4" name="页脚占位符 3">
             <a:extLst>
               <a:ext uri="{FF2B5EF4-FFF2-40B4-BE49-F238E27FC236}">
-                <a16:creationId xmlns:a16="http://schemas.microsoft.com/office/drawing/2014/main" id="{BD3DDD7B-1638-052B-080C-4311A3E8FC5C}"/>
+                <a16:creationId xmlns:a16="http://schemas.microsoft.com/office/drawing/2014/main" id="{CCA78775-5588-52FE-C10E-DD2E91B8F404}"/>
               </a:ext>
             </a:extLst>
           </p:cNvPr>
@@ -1987,7 +1987,7 @@
           <p:cNvPr id="5" name="灯片编号占位符 4">
             <a:extLst>
               <a:ext uri="{FF2B5EF4-FFF2-40B4-BE49-F238E27FC236}">
-                <a16:creationId xmlns:a16="http://schemas.microsoft.com/office/drawing/2014/main" id="{28DFAB09-77B3-1424-D5A4-F63F8DEE0B5D}"/>
+                <a16:creationId xmlns:a16="http://schemas.microsoft.com/office/drawing/2014/main" id="{9755B607-C9CD-3B51-0920-DF4A99C9B862}"/>
               </a:ext>
             </a:extLst>
           </p:cNvPr>
@@ -2003,7 +2003,7 @@
           <a:bodyPr/>
           <a:lstStyle/>
           <a:p>
-            <a:fld id="{3FABDA68-E93C-4DD5-9EF8-4955C875E77F}" type="slidenum">
+            <a:fld id="{4173632C-E4CC-4D46-BB27-1730021DA4C0}" type="slidenum">
               <a:rPr lang="zh-CN" altLang="en-US" smtClean="0"/>
               <a:t>‹#›</a:t>
             </a:fld>
@@ -2014,7 +2014,7 @@
     </p:spTree>
     <p:extLst>
       <p:ext uri="{BB962C8B-B14F-4D97-AF65-F5344CB8AC3E}">
-        <p14:creationId xmlns:p14="http://schemas.microsoft.com/office/powerpoint/2010/main" val="2291212456"/>
+        <p14:creationId xmlns:p14="http://schemas.microsoft.com/office/powerpoint/2010/main" val="4239594577"/>
       </p:ext>
     </p:extLst>
   </p:cSld>
@@ -2046,7 +2046,7 @@
           <p:cNvPr id="2" name="日期占位符 1">
             <a:extLst>
               <a:ext uri="{FF2B5EF4-FFF2-40B4-BE49-F238E27FC236}">
-                <a16:creationId xmlns:a16="http://schemas.microsoft.com/office/drawing/2014/main" id="{60EB5C3C-CE2E-8154-6DF2-A42936753E85}"/>
+                <a16:creationId xmlns:a16="http://schemas.microsoft.com/office/drawing/2014/main" id="{395EDC23-A4D0-D78C-2CF7-1CD041B7E73D}"/>
               </a:ext>
             </a:extLst>
           </p:cNvPr>
@@ -2062,7 +2062,7 @@
           <a:bodyPr/>
           <a:lstStyle/>
           <a:p>
-            <a:fld id="{7DC8E3B1-A9E4-4A0D-BD41-D26742AC8AED}" type="datetimeFigureOut">
+            <a:fld id="{33234C45-CA8D-4774-B8E2-8847613FCD27}" type="datetimeFigureOut">
               <a:rPr lang="zh-CN" altLang="en-US" smtClean="0"/>
               <a:t>2024/3/10</a:t>
             </a:fld>
@@ -2075,7 +2075,7 @@
           <p:cNvPr id="3" name="页脚占位符 2">
             <a:extLst>
               <a:ext uri="{FF2B5EF4-FFF2-40B4-BE49-F238E27FC236}">
-                <a16:creationId xmlns:a16="http://schemas.microsoft.com/office/drawing/2014/main" id="{D253250D-D388-EC4B-0A36-53E7A61E8F07}"/>
+                <a16:creationId xmlns:a16="http://schemas.microsoft.com/office/drawing/2014/main" id="{0B51EE20-746A-7C66-0BFE-00525C78E5BA}"/>
               </a:ext>
             </a:extLst>
           </p:cNvPr>
@@ -2100,7 +2100,7 @@
           <p:cNvPr id="4" name="灯片编号占位符 3">
             <a:extLst>
               <a:ext uri="{FF2B5EF4-FFF2-40B4-BE49-F238E27FC236}">
-                <a16:creationId xmlns:a16="http://schemas.microsoft.com/office/drawing/2014/main" id="{667D01FF-C760-5EC2-32AB-902D2FAC2BD0}"/>
+                <a16:creationId xmlns:a16="http://schemas.microsoft.com/office/drawing/2014/main" id="{35C90F3A-8292-2FE9-15D9-CE1AE7E57B6D}"/>
               </a:ext>
             </a:extLst>
           </p:cNvPr>
@@ -2116,7 +2116,7 @@
           <a:bodyPr/>
           <a:lstStyle/>
           <a:p>
-            <a:fld id="{3FABDA68-E93C-4DD5-9EF8-4955C875E77F}" type="slidenum">
+            <a:fld id="{4173632C-E4CC-4D46-BB27-1730021DA4C0}" type="slidenum">
               <a:rPr lang="zh-CN" altLang="en-US" smtClean="0"/>
               <a:t>‹#›</a:t>
             </a:fld>
@@ -2127,7 +2127,7 @@
     </p:spTree>
     <p:extLst>
       <p:ext uri="{BB962C8B-B14F-4D97-AF65-F5344CB8AC3E}">
-        <p14:creationId xmlns:p14="http://schemas.microsoft.com/office/powerpoint/2010/main" val="2004401013"/>
+        <p14:creationId xmlns:p14="http://schemas.microsoft.com/office/powerpoint/2010/main" val="2508929677"/>
       </p:ext>
     </p:extLst>
   </p:cSld>
@@ -2159,7 +2159,7 @@
           <p:cNvPr id="2" name="标题 1">
             <a:extLst>
               <a:ext uri="{FF2B5EF4-FFF2-40B4-BE49-F238E27FC236}">
-                <a16:creationId xmlns:a16="http://schemas.microsoft.com/office/drawing/2014/main" id="{67AD0864-0EF3-C11F-D0E9-AB740189E66C}"/>
+                <a16:creationId xmlns:a16="http://schemas.microsoft.com/office/drawing/2014/main" id="{F9E3904A-9B6B-F65D-EEB8-4DBF130849E4}"/>
               </a:ext>
             </a:extLst>
           </p:cNvPr>
@@ -2196,7 +2196,7 @@
           <p:cNvPr id="3" name="内容占位符 2">
             <a:extLst>
               <a:ext uri="{FF2B5EF4-FFF2-40B4-BE49-F238E27FC236}">
-                <a16:creationId xmlns:a16="http://schemas.microsoft.com/office/drawing/2014/main" id="{602A7686-E57B-0B4D-6DB4-9105A85B75BD}"/>
+                <a16:creationId xmlns:a16="http://schemas.microsoft.com/office/drawing/2014/main" id="{827C178E-C681-B79F-2D0B-93EF34CFD3F7}"/>
               </a:ext>
             </a:extLst>
           </p:cNvPr>
@@ -2286,7 +2286,7 @@
           <p:cNvPr id="4" name="文本占位符 3">
             <a:extLst>
               <a:ext uri="{FF2B5EF4-FFF2-40B4-BE49-F238E27FC236}">
-                <a16:creationId xmlns:a16="http://schemas.microsoft.com/office/drawing/2014/main" id="{0E4290EE-749D-72E2-A270-47AFD7545174}"/>
+                <a16:creationId xmlns:a16="http://schemas.microsoft.com/office/drawing/2014/main" id="{C43CAB08-37A8-3302-E20F-3D72A06B77B0}"/>
               </a:ext>
             </a:extLst>
           </p:cNvPr>
@@ -2357,7 +2357,7 @@
           <p:cNvPr id="5" name="日期占位符 4">
             <a:extLst>
               <a:ext uri="{FF2B5EF4-FFF2-40B4-BE49-F238E27FC236}">
-                <a16:creationId xmlns:a16="http://schemas.microsoft.com/office/drawing/2014/main" id="{0B8C11F3-2D2C-536E-6549-03C2A7A813D0}"/>
+                <a16:creationId xmlns:a16="http://schemas.microsoft.com/office/drawing/2014/main" id="{D37D00F5-BD5D-7BB6-D489-4316A00F9ED8}"/>
               </a:ext>
             </a:extLst>
           </p:cNvPr>
@@ -2373,7 +2373,7 @@
           <a:bodyPr/>
           <a:lstStyle/>
           <a:p>
-            <a:fld id="{7DC8E3B1-A9E4-4A0D-BD41-D26742AC8AED}" type="datetimeFigureOut">
+            <a:fld id="{33234C45-CA8D-4774-B8E2-8847613FCD27}" type="datetimeFigureOut">
               <a:rPr lang="zh-CN" altLang="en-US" smtClean="0"/>
               <a:t>2024/3/10</a:t>
             </a:fld>
@@ -2386,7 +2386,7 @@
           <p:cNvPr id="6" name="页脚占位符 5">
             <a:extLst>
               <a:ext uri="{FF2B5EF4-FFF2-40B4-BE49-F238E27FC236}">
-                <a16:creationId xmlns:a16="http://schemas.microsoft.com/office/drawing/2014/main" id="{EEABC2E9-120C-EAB9-B50E-9839670FCEDA}"/>
+                <a16:creationId xmlns:a16="http://schemas.microsoft.com/office/drawing/2014/main" id="{F48EB898-69EC-3C21-F324-19EFE76DEDC9}"/>
               </a:ext>
             </a:extLst>
           </p:cNvPr>
@@ -2411,7 +2411,7 @@
           <p:cNvPr id="7" name="灯片编号占位符 6">
             <a:extLst>
               <a:ext uri="{FF2B5EF4-FFF2-40B4-BE49-F238E27FC236}">
-                <a16:creationId xmlns:a16="http://schemas.microsoft.com/office/drawing/2014/main" id="{73E15CC6-FE46-9405-2633-C32AC2312C80}"/>
+                <a16:creationId xmlns:a16="http://schemas.microsoft.com/office/drawing/2014/main" id="{D20FC618-0501-B45C-2CBA-330BA15E92BA}"/>
               </a:ext>
             </a:extLst>
           </p:cNvPr>
@@ -2427,7 +2427,7 @@
           <a:bodyPr/>
           <a:lstStyle/>
           <a:p>
-            <a:fld id="{3FABDA68-E93C-4DD5-9EF8-4955C875E77F}" type="slidenum">
+            <a:fld id="{4173632C-E4CC-4D46-BB27-1730021DA4C0}" type="slidenum">
               <a:rPr lang="zh-CN" altLang="en-US" smtClean="0"/>
               <a:t>‹#›</a:t>
             </a:fld>
@@ -2438,7 +2438,7 @@
     </p:spTree>
     <p:extLst>
       <p:ext uri="{BB962C8B-B14F-4D97-AF65-F5344CB8AC3E}">
-        <p14:creationId xmlns:p14="http://schemas.microsoft.com/office/powerpoint/2010/main" val="1608065573"/>
+        <p14:creationId xmlns:p14="http://schemas.microsoft.com/office/powerpoint/2010/main" val="3815844238"/>
       </p:ext>
     </p:extLst>
   </p:cSld>
@@ -2470,7 +2470,7 @@
           <p:cNvPr id="2" name="标题 1">
             <a:extLst>
               <a:ext uri="{FF2B5EF4-FFF2-40B4-BE49-F238E27FC236}">
-                <a16:creationId xmlns:a16="http://schemas.microsoft.com/office/drawing/2014/main" id="{4191888A-6702-3220-101F-136C2CD4226F}"/>
+                <a16:creationId xmlns:a16="http://schemas.microsoft.com/office/drawing/2014/main" id="{21A36D22-36CC-FE6E-9B02-3C78D2E64C05}"/>
               </a:ext>
             </a:extLst>
           </p:cNvPr>
@@ -2507,7 +2507,7 @@
           <p:cNvPr id="3" name="图片占位符 2">
             <a:extLst>
               <a:ext uri="{FF2B5EF4-FFF2-40B4-BE49-F238E27FC236}">
-                <a16:creationId xmlns:a16="http://schemas.microsoft.com/office/drawing/2014/main" id="{2C73CEC6-FB38-86F0-53E7-CC6F32079C8D}"/>
+                <a16:creationId xmlns:a16="http://schemas.microsoft.com/office/drawing/2014/main" id="{5300E32E-4BFE-165B-53E4-D1E45A2E8AD3}"/>
               </a:ext>
             </a:extLst>
           </p:cNvPr>
@@ -2574,7 +2574,7 @@
           <p:cNvPr id="4" name="文本占位符 3">
             <a:extLst>
               <a:ext uri="{FF2B5EF4-FFF2-40B4-BE49-F238E27FC236}">
-                <a16:creationId xmlns:a16="http://schemas.microsoft.com/office/drawing/2014/main" id="{5ECB0569-A378-BFED-86CA-236793E55692}"/>
+                <a16:creationId xmlns:a16="http://schemas.microsoft.com/office/drawing/2014/main" id="{BB770283-9E22-9C1A-4831-21F7709CE45E}"/>
               </a:ext>
             </a:extLst>
           </p:cNvPr>
@@ -2645,7 +2645,7 @@
           <p:cNvPr id="5" name="日期占位符 4">
             <a:extLst>
               <a:ext uri="{FF2B5EF4-FFF2-40B4-BE49-F238E27FC236}">
-                <a16:creationId xmlns:a16="http://schemas.microsoft.com/office/drawing/2014/main" id="{8A6AF7D7-4EE8-870F-EB90-FEDE30B3F3C2}"/>
+                <a16:creationId xmlns:a16="http://schemas.microsoft.com/office/drawing/2014/main" id="{25960C2B-BB6D-B3EA-2B13-EE57ED1D28B1}"/>
               </a:ext>
             </a:extLst>
           </p:cNvPr>
@@ -2661,7 +2661,7 @@
           <a:bodyPr/>
           <a:lstStyle/>
           <a:p>
-            <a:fld id="{7DC8E3B1-A9E4-4A0D-BD41-D26742AC8AED}" type="datetimeFigureOut">
+            <a:fld id="{33234C45-CA8D-4774-B8E2-8847613FCD27}" type="datetimeFigureOut">
               <a:rPr lang="zh-CN" altLang="en-US" smtClean="0"/>
               <a:t>2024/3/10</a:t>
             </a:fld>
@@ -2674,7 +2674,7 @@
           <p:cNvPr id="6" name="页脚占位符 5">
             <a:extLst>
               <a:ext uri="{FF2B5EF4-FFF2-40B4-BE49-F238E27FC236}">
-                <a16:creationId xmlns:a16="http://schemas.microsoft.com/office/drawing/2014/main" id="{2693CE71-3F53-2069-636C-C5A96E6725EC}"/>
+                <a16:creationId xmlns:a16="http://schemas.microsoft.com/office/drawing/2014/main" id="{BA36E3F0-4CE2-CAEB-B85E-4CC2814643AF}"/>
               </a:ext>
             </a:extLst>
           </p:cNvPr>
@@ -2699,7 +2699,7 @@
           <p:cNvPr id="7" name="灯片编号占位符 6">
             <a:extLst>
               <a:ext uri="{FF2B5EF4-FFF2-40B4-BE49-F238E27FC236}">
-                <a16:creationId xmlns:a16="http://schemas.microsoft.com/office/drawing/2014/main" id="{9DAAAB63-605E-6A26-6F63-19FEBD30B1B7}"/>
+                <a16:creationId xmlns:a16="http://schemas.microsoft.com/office/drawing/2014/main" id="{2A54608B-FA4E-5FD4-DC1B-918719571BC4}"/>
               </a:ext>
             </a:extLst>
           </p:cNvPr>
@@ -2715,7 +2715,7 @@
           <a:bodyPr/>
           <a:lstStyle/>
           <a:p>
-            <a:fld id="{3FABDA68-E93C-4DD5-9EF8-4955C875E77F}" type="slidenum">
+            <a:fld id="{4173632C-E4CC-4D46-BB27-1730021DA4C0}" type="slidenum">
               <a:rPr lang="zh-CN" altLang="en-US" smtClean="0"/>
               <a:t>‹#›</a:t>
             </a:fld>
@@ -2726,7 +2726,7 @@
     </p:spTree>
     <p:extLst>
       <p:ext uri="{BB962C8B-B14F-4D97-AF65-F5344CB8AC3E}">
-        <p14:creationId xmlns:p14="http://schemas.microsoft.com/office/powerpoint/2010/main" val="1583853785"/>
+        <p14:creationId xmlns:p14="http://schemas.microsoft.com/office/powerpoint/2010/main" val="2934247112"/>
       </p:ext>
     </p:extLst>
   </p:cSld>
@@ -2763,7 +2763,7 @@
           <p:cNvPr id="2" name="标题占位符 1">
             <a:extLst>
               <a:ext uri="{FF2B5EF4-FFF2-40B4-BE49-F238E27FC236}">
-                <a16:creationId xmlns:a16="http://schemas.microsoft.com/office/drawing/2014/main" id="{74F53BA9-5C35-9305-0773-38F73E832BEE}"/>
+                <a16:creationId xmlns:a16="http://schemas.microsoft.com/office/drawing/2014/main" id="{F30B22F9-C7A5-211E-AA56-62677C661CB3}"/>
               </a:ext>
             </a:extLst>
           </p:cNvPr>
@@ -2801,7 +2801,7 @@
           <p:cNvPr id="3" name="文本占位符 2">
             <a:extLst>
               <a:ext uri="{FF2B5EF4-FFF2-40B4-BE49-F238E27FC236}">
-                <a16:creationId xmlns:a16="http://schemas.microsoft.com/office/drawing/2014/main" id="{0E133744-0F23-463B-B6B5-2DDB991DC1EB}"/>
+                <a16:creationId xmlns:a16="http://schemas.microsoft.com/office/drawing/2014/main" id="{D28B4A8A-DEF5-E29F-0BFC-139129DFF071}"/>
               </a:ext>
             </a:extLst>
           </p:cNvPr>
@@ -2868,7 +2868,7 @@
           <p:cNvPr id="4" name="日期占位符 3">
             <a:extLst>
               <a:ext uri="{FF2B5EF4-FFF2-40B4-BE49-F238E27FC236}">
-                <a16:creationId xmlns:a16="http://schemas.microsoft.com/office/drawing/2014/main" id="{18C75678-B06B-A63A-D775-9923DE3594DC}"/>
+                <a16:creationId xmlns:a16="http://schemas.microsoft.com/office/drawing/2014/main" id="{0C7A29E0-51F4-DA79-B286-175B97DE9E41}"/>
               </a:ext>
             </a:extLst>
           </p:cNvPr>
@@ -2902,7 +2902,7 @@
             </a:lvl1pPr>
           </a:lstStyle>
           <a:p>
-            <a:fld id="{7DC8E3B1-A9E4-4A0D-BD41-D26742AC8AED}" type="datetimeFigureOut">
+            <a:fld id="{33234C45-CA8D-4774-B8E2-8847613FCD27}" type="datetimeFigureOut">
               <a:rPr lang="zh-CN" altLang="en-US" smtClean="0"/>
               <a:t>2024/3/10</a:t>
             </a:fld>
@@ -2915,7 +2915,7 @@
           <p:cNvPr id="5" name="页脚占位符 4">
             <a:extLst>
               <a:ext uri="{FF2B5EF4-FFF2-40B4-BE49-F238E27FC236}">
-                <a16:creationId xmlns:a16="http://schemas.microsoft.com/office/drawing/2014/main" id="{8E605036-52ED-0D23-F638-437D3D6A4777}"/>
+                <a16:creationId xmlns:a16="http://schemas.microsoft.com/office/drawing/2014/main" id="{0033FE94-5113-C717-C5AD-B35A9CB32B5D}"/>
               </a:ext>
             </a:extLst>
           </p:cNvPr>
@@ -2958,7 +2958,7 @@
           <p:cNvPr id="6" name="灯片编号占位符 5">
             <a:extLst>
               <a:ext uri="{FF2B5EF4-FFF2-40B4-BE49-F238E27FC236}">
-                <a16:creationId xmlns:a16="http://schemas.microsoft.com/office/drawing/2014/main" id="{5F4F39A6-E980-5A43-2A88-2C0199E522BE}"/>
+                <a16:creationId xmlns:a16="http://schemas.microsoft.com/office/drawing/2014/main" id="{77B474FC-1479-85E3-393E-CA6D24B255F6}"/>
               </a:ext>
             </a:extLst>
           </p:cNvPr>
@@ -2992,7 +2992,7 @@
             </a:lvl1pPr>
           </a:lstStyle>
           <a:p>
-            <a:fld id="{3FABDA68-E93C-4DD5-9EF8-4955C875E77F}" type="slidenum">
+            <a:fld id="{4173632C-E4CC-4D46-BB27-1730021DA4C0}" type="slidenum">
               <a:rPr lang="zh-CN" altLang="en-US" smtClean="0"/>
               <a:t>‹#›</a:t>
             </a:fld>
@@ -3003,7 +3003,7 @@
     </p:spTree>
     <p:extLst>
       <p:ext uri="{BB962C8B-B14F-4D97-AF65-F5344CB8AC3E}">
-        <p14:creationId xmlns:p14="http://schemas.microsoft.com/office/powerpoint/2010/main" val="2210117489"/>
+        <p14:creationId xmlns:p14="http://schemas.microsoft.com/office/powerpoint/2010/main" val="1370157389"/>
       </p:ext>
     </p:extLst>
   </p:cSld>
